--- a/pics/2020-11-08-linear_algebra_and_Fourier_transform/pics.pptx
+++ b/pics/2020-11-08-linear_algebra_and_Fourier_transform/pics.pptx
@@ -105,6 +105,22 @@
       </a:defRPr>
     </a:lvl9pPr>
   </p:defaultTextStyle>
+  <p:extLst>
+    <p:ext uri="{EFAFB233-063F-42B5-8137-9DF3F51BA10A}">
+      <p15:sldGuideLst xmlns:p15="http://schemas.microsoft.com/office/powerpoint/2012/main">
+        <p15:guide id="1" orient="horz" pos="2160">
+          <p15:clr>
+            <a:srgbClr val="A4A3A4"/>
+          </p15:clr>
+        </p15:guide>
+        <p15:guide id="2" pos="2880">
+          <p15:clr>
+            <a:srgbClr val="A4A3A4"/>
+          </p15:clr>
+        </p15:guide>
+      </p15:sldGuideLst>
+    </p:ext>
+  </p:extLst>
 </p:presentation>
 </file>
 
@@ -146,10 +162,9 @@
           <a:lstStyle/>
           <a:p>
             <a:r>
-              <a:rPr lang="ko-KR" altLang="en-US" smtClean="0"/>
+              <a:rPr lang="ko-KR" altLang="en-US"/>
               <a:t>마스터 제목 스타일 편집</a:t>
             </a:r>
-            <a:endParaRPr lang="ko-KR" altLang="en-US"/>
           </a:p>
         </p:txBody>
       </p:sp>
@@ -265,10 +280,9 @@
           </a:lstStyle>
           <a:p>
             <a:r>
-              <a:rPr lang="ko-KR" altLang="en-US" smtClean="0"/>
+              <a:rPr lang="ko-KR" altLang="en-US"/>
               <a:t>마스터 부제목 스타일 편집</a:t>
             </a:r>
-            <a:endParaRPr lang="ko-KR" altLang="en-US"/>
           </a:p>
         </p:txBody>
       </p:sp>
@@ -289,7 +303,7 @@
           <a:p>
             <a:fld id="{FB30EDBD-1C2D-4C1E-B459-B60219FAB484}" type="datetimeFigureOut">
               <a:rPr lang="ko-KR" altLang="en-US" smtClean="0"/>
-              <a:t>2020-11-09</a:t>
+              <a:t>2021-03-27</a:t>
             </a:fld>
             <a:endParaRPr lang="ko-KR" altLang="en-US"/>
           </a:p>
@@ -378,10 +392,9 @@
           <a:lstStyle/>
           <a:p>
             <a:r>
-              <a:rPr lang="ko-KR" altLang="en-US" smtClean="0"/>
+              <a:rPr lang="ko-KR" altLang="en-US"/>
               <a:t>마스터 제목 스타일 편집</a:t>
             </a:r>
-            <a:endParaRPr lang="ko-KR" altLang="en-US"/>
           </a:p>
         </p:txBody>
       </p:sp>
@@ -402,38 +415,37 @@
           <a:p>
             <a:pPr lvl="0"/>
             <a:r>
-              <a:rPr lang="ko-KR" altLang="en-US" smtClean="0"/>
+              <a:rPr lang="ko-KR" altLang="en-US"/>
               <a:t>마스터 텍스트 스타일을 편집합니다</a:t>
             </a:r>
           </a:p>
           <a:p>
             <a:pPr lvl="1"/>
             <a:r>
-              <a:rPr lang="ko-KR" altLang="en-US" smtClean="0"/>
+              <a:rPr lang="ko-KR" altLang="en-US"/>
               <a:t>둘째 수준</a:t>
             </a:r>
           </a:p>
           <a:p>
             <a:pPr lvl="2"/>
             <a:r>
-              <a:rPr lang="ko-KR" altLang="en-US" smtClean="0"/>
+              <a:rPr lang="ko-KR" altLang="en-US"/>
               <a:t>셋째 수준</a:t>
             </a:r>
           </a:p>
           <a:p>
             <a:pPr lvl="3"/>
             <a:r>
-              <a:rPr lang="ko-KR" altLang="en-US" smtClean="0"/>
+              <a:rPr lang="ko-KR" altLang="en-US"/>
               <a:t>넷째 수준</a:t>
             </a:r>
           </a:p>
           <a:p>
             <a:pPr lvl="4"/>
             <a:r>
-              <a:rPr lang="ko-KR" altLang="en-US" smtClean="0"/>
+              <a:rPr lang="ko-KR" altLang="en-US"/>
               <a:t>다섯째 수준</a:t>
             </a:r>
-            <a:endParaRPr lang="ko-KR" altLang="en-US"/>
           </a:p>
         </p:txBody>
       </p:sp>
@@ -454,7 +466,7 @@
           <a:p>
             <a:fld id="{FB30EDBD-1C2D-4C1E-B459-B60219FAB484}" type="datetimeFigureOut">
               <a:rPr lang="ko-KR" altLang="en-US" smtClean="0"/>
-              <a:t>2020-11-09</a:t>
+              <a:t>2021-03-27</a:t>
             </a:fld>
             <a:endParaRPr lang="ko-KR" altLang="en-US"/>
           </a:p>
@@ -548,10 +560,9 @@
           <a:lstStyle/>
           <a:p>
             <a:r>
-              <a:rPr lang="ko-KR" altLang="en-US" smtClean="0"/>
+              <a:rPr lang="ko-KR" altLang="en-US"/>
               <a:t>마스터 제목 스타일 편집</a:t>
             </a:r>
-            <a:endParaRPr lang="ko-KR" altLang="en-US"/>
           </a:p>
         </p:txBody>
       </p:sp>
@@ -577,38 +588,37 @@
           <a:p>
             <a:pPr lvl="0"/>
             <a:r>
-              <a:rPr lang="ko-KR" altLang="en-US" smtClean="0"/>
+              <a:rPr lang="ko-KR" altLang="en-US"/>
               <a:t>마스터 텍스트 스타일을 편집합니다</a:t>
             </a:r>
           </a:p>
           <a:p>
             <a:pPr lvl="1"/>
             <a:r>
-              <a:rPr lang="ko-KR" altLang="en-US" smtClean="0"/>
+              <a:rPr lang="ko-KR" altLang="en-US"/>
               <a:t>둘째 수준</a:t>
             </a:r>
           </a:p>
           <a:p>
             <a:pPr lvl="2"/>
             <a:r>
-              <a:rPr lang="ko-KR" altLang="en-US" smtClean="0"/>
+              <a:rPr lang="ko-KR" altLang="en-US"/>
               <a:t>셋째 수준</a:t>
             </a:r>
           </a:p>
           <a:p>
             <a:pPr lvl="3"/>
             <a:r>
-              <a:rPr lang="ko-KR" altLang="en-US" smtClean="0"/>
+              <a:rPr lang="ko-KR" altLang="en-US"/>
               <a:t>넷째 수준</a:t>
             </a:r>
           </a:p>
           <a:p>
             <a:pPr lvl="4"/>
             <a:r>
-              <a:rPr lang="ko-KR" altLang="en-US" smtClean="0"/>
+              <a:rPr lang="ko-KR" altLang="en-US"/>
               <a:t>다섯째 수준</a:t>
             </a:r>
-            <a:endParaRPr lang="ko-KR" altLang="en-US"/>
           </a:p>
         </p:txBody>
       </p:sp>
@@ -629,7 +639,7 @@
           <a:p>
             <a:fld id="{FB30EDBD-1C2D-4C1E-B459-B60219FAB484}" type="datetimeFigureOut">
               <a:rPr lang="ko-KR" altLang="en-US" smtClean="0"/>
-              <a:t>2020-11-09</a:t>
+              <a:t>2021-03-27</a:t>
             </a:fld>
             <a:endParaRPr lang="ko-KR" altLang="en-US"/>
           </a:p>
@@ -718,10 +728,9 @@
           <a:lstStyle/>
           <a:p>
             <a:r>
-              <a:rPr lang="ko-KR" altLang="en-US" smtClean="0"/>
+              <a:rPr lang="ko-KR" altLang="en-US"/>
               <a:t>마스터 제목 스타일 편집</a:t>
             </a:r>
-            <a:endParaRPr lang="ko-KR" altLang="en-US"/>
           </a:p>
         </p:txBody>
       </p:sp>
@@ -742,38 +751,37 @@
           <a:p>
             <a:pPr lvl="0"/>
             <a:r>
-              <a:rPr lang="ko-KR" altLang="en-US" smtClean="0"/>
+              <a:rPr lang="ko-KR" altLang="en-US"/>
               <a:t>마스터 텍스트 스타일을 편집합니다</a:t>
             </a:r>
           </a:p>
           <a:p>
             <a:pPr lvl="1"/>
             <a:r>
-              <a:rPr lang="ko-KR" altLang="en-US" smtClean="0"/>
+              <a:rPr lang="ko-KR" altLang="en-US"/>
               <a:t>둘째 수준</a:t>
             </a:r>
           </a:p>
           <a:p>
             <a:pPr lvl="2"/>
             <a:r>
-              <a:rPr lang="ko-KR" altLang="en-US" smtClean="0"/>
+              <a:rPr lang="ko-KR" altLang="en-US"/>
               <a:t>셋째 수준</a:t>
             </a:r>
           </a:p>
           <a:p>
             <a:pPr lvl="3"/>
             <a:r>
-              <a:rPr lang="ko-KR" altLang="en-US" smtClean="0"/>
+              <a:rPr lang="ko-KR" altLang="en-US"/>
               <a:t>넷째 수준</a:t>
             </a:r>
           </a:p>
           <a:p>
             <a:pPr lvl="4"/>
             <a:r>
-              <a:rPr lang="ko-KR" altLang="en-US" smtClean="0"/>
+              <a:rPr lang="ko-KR" altLang="en-US"/>
               <a:t>다섯째 수준</a:t>
             </a:r>
-            <a:endParaRPr lang="ko-KR" altLang="en-US"/>
           </a:p>
         </p:txBody>
       </p:sp>
@@ -794,7 +802,7 @@
           <a:p>
             <a:fld id="{FB30EDBD-1C2D-4C1E-B459-B60219FAB484}" type="datetimeFigureOut">
               <a:rPr lang="ko-KR" altLang="en-US" smtClean="0"/>
-              <a:t>2020-11-09</a:t>
+              <a:t>2021-03-27</a:t>
             </a:fld>
             <a:endParaRPr lang="ko-KR" altLang="en-US"/>
           </a:p>
@@ -892,10 +900,9 @@
           </a:lstStyle>
           <a:p>
             <a:r>
-              <a:rPr lang="ko-KR" altLang="en-US" smtClean="0"/>
+              <a:rPr lang="ko-KR" altLang="en-US"/>
               <a:t>마스터 제목 스타일 편집</a:t>
             </a:r>
-            <a:endParaRPr lang="ko-KR" altLang="en-US"/>
           </a:p>
         </p:txBody>
       </p:sp>
@@ -1012,7 +1019,7 @@
           <a:p>
             <a:pPr lvl="0"/>
             <a:r>
-              <a:rPr lang="ko-KR" altLang="en-US" smtClean="0"/>
+              <a:rPr lang="ko-KR" altLang="en-US"/>
               <a:t>마스터 텍스트 스타일을 편집합니다</a:t>
             </a:r>
           </a:p>
@@ -1035,7 +1042,7 @@
           <a:p>
             <a:fld id="{FB30EDBD-1C2D-4C1E-B459-B60219FAB484}" type="datetimeFigureOut">
               <a:rPr lang="ko-KR" altLang="en-US" smtClean="0"/>
-              <a:t>2020-11-09</a:t>
+              <a:t>2021-03-27</a:t>
             </a:fld>
             <a:endParaRPr lang="ko-KR" altLang="en-US"/>
           </a:p>
@@ -1124,10 +1131,9 @@
           <a:lstStyle/>
           <a:p>
             <a:r>
-              <a:rPr lang="ko-KR" altLang="en-US" smtClean="0"/>
+              <a:rPr lang="ko-KR" altLang="en-US"/>
               <a:t>마스터 제목 스타일 편집</a:t>
             </a:r>
-            <a:endParaRPr lang="ko-KR" altLang="en-US"/>
           </a:p>
         </p:txBody>
       </p:sp>
@@ -1181,38 +1187,37 @@
           <a:p>
             <a:pPr lvl="0"/>
             <a:r>
-              <a:rPr lang="ko-KR" altLang="en-US" smtClean="0"/>
+              <a:rPr lang="ko-KR" altLang="en-US"/>
               <a:t>마스터 텍스트 스타일을 편집합니다</a:t>
             </a:r>
           </a:p>
           <a:p>
             <a:pPr lvl="1"/>
             <a:r>
-              <a:rPr lang="ko-KR" altLang="en-US" smtClean="0"/>
+              <a:rPr lang="ko-KR" altLang="en-US"/>
               <a:t>둘째 수준</a:t>
             </a:r>
           </a:p>
           <a:p>
             <a:pPr lvl="2"/>
             <a:r>
-              <a:rPr lang="ko-KR" altLang="en-US" smtClean="0"/>
+              <a:rPr lang="ko-KR" altLang="en-US"/>
               <a:t>셋째 수준</a:t>
             </a:r>
           </a:p>
           <a:p>
             <a:pPr lvl="3"/>
             <a:r>
-              <a:rPr lang="ko-KR" altLang="en-US" smtClean="0"/>
+              <a:rPr lang="ko-KR" altLang="en-US"/>
               <a:t>넷째 수준</a:t>
             </a:r>
           </a:p>
           <a:p>
             <a:pPr lvl="4"/>
             <a:r>
-              <a:rPr lang="ko-KR" altLang="en-US" smtClean="0"/>
+              <a:rPr lang="ko-KR" altLang="en-US"/>
               <a:t>다섯째 수준</a:t>
             </a:r>
-            <a:endParaRPr lang="ko-KR" altLang="en-US"/>
           </a:p>
         </p:txBody>
       </p:sp>
@@ -1266,38 +1271,37 @@
           <a:p>
             <a:pPr lvl="0"/>
             <a:r>
-              <a:rPr lang="ko-KR" altLang="en-US" smtClean="0"/>
+              <a:rPr lang="ko-KR" altLang="en-US"/>
               <a:t>마스터 텍스트 스타일을 편집합니다</a:t>
             </a:r>
           </a:p>
           <a:p>
             <a:pPr lvl="1"/>
             <a:r>
-              <a:rPr lang="ko-KR" altLang="en-US" smtClean="0"/>
+              <a:rPr lang="ko-KR" altLang="en-US"/>
               <a:t>둘째 수준</a:t>
             </a:r>
           </a:p>
           <a:p>
             <a:pPr lvl="2"/>
             <a:r>
-              <a:rPr lang="ko-KR" altLang="en-US" smtClean="0"/>
+              <a:rPr lang="ko-KR" altLang="en-US"/>
               <a:t>셋째 수준</a:t>
             </a:r>
           </a:p>
           <a:p>
             <a:pPr lvl="3"/>
             <a:r>
-              <a:rPr lang="ko-KR" altLang="en-US" smtClean="0"/>
+              <a:rPr lang="ko-KR" altLang="en-US"/>
               <a:t>넷째 수준</a:t>
             </a:r>
           </a:p>
           <a:p>
             <a:pPr lvl="4"/>
             <a:r>
-              <a:rPr lang="ko-KR" altLang="en-US" smtClean="0"/>
+              <a:rPr lang="ko-KR" altLang="en-US"/>
               <a:t>다섯째 수준</a:t>
             </a:r>
-            <a:endParaRPr lang="ko-KR" altLang="en-US"/>
           </a:p>
         </p:txBody>
       </p:sp>
@@ -1318,7 +1322,7 @@
           <a:p>
             <a:fld id="{FB30EDBD-1C2D-4C1E-B459-B60219FAB484}" type="datetimeFigureOut">
               <a:rPr lang="ko-KR" altLang="en-US" smtClean="0"/>
-              <a:t>2020-11-09</a:t>
+              <a:t>2021-03-27</a:t>
             </a:fld>
             <a:endParaRPr lang="ko-KR" altLang="en-US"/>
           </a:p>
@@ -1411,10 +1415,9 @@
           </a:lstStyle>
           <a:p>
             <a:r>
-              <a:rPr lang="ko-KR" altLang="en-US" smtClean="0"/>
+              <a:rPr lang="ko-KR" altLang="en-US"/>
               <a:t>마스터 제목 스타일 편집</a:t>
             </a:r>
-            <a:endParaRPr lang="ko-KR" altLang="en-US"/>
           </a:p>
         </p:txBody>
       </p:sp>
@@ -1477,7 +1480,7 @@
           <a:p>
             <a:pPr lvl="0"/>
             <a:r>
-              <a:rPr lang="ko-KR" altLang="en-US" smtClean="0"/>
+              <a:rPr lang="ko-KR" altLang="en-US"/>
               <a:t>마스터 텍스트 스타일을 편집합니다</a:t>
             </a:r>
           </a:p>
@@ -1533,38 +1536,37 @@
           <a:p>
             <a:pPr lvl="0"/>
             <a:r>
-              <a:rPr lang="ko-KR" altLang="en-US" smtClean="0"/>
+              <a:rPr lang="ko-KR" altLang="en-US"/>
               <a:t>마스터 텍스트 스타일을 편집합니다</a:t>
             </a:r>
           </a:p>
           <a:p>
             <a:pPr lvl="1"/>
             <a:r>
-              <a:rPr lang="ko-KR" altLang="en-US" smtClean="0"/>
+              <a:rPr lang="ko-KR" altLang="en-US"/>
               <a:t>둘째 수준</a:t>
             </a:r>
           </a:p>
           <a:p>
             <a:pPr lvl="2"/>
             <a:r>
-              <a:rPr lang="ko-KR" altLang="en-US" smtClean="0"/>
+              <a:rPr lang="ko-KR" altLang="en-US"/>
               <a:t>셋째 수준</a:t>
             </a:r>
           </a:p>
           <a:p>
             <a:pPr lvl="3"/>
             <a:r>
-              <a:rPr lang="ko-KR" altLang="en-US" smtClean="0"/>
+              <a:rPr lang="ko-KR" altLang="en-US"/>
               <a:t>넷째 수준</a:t>
             </a:r>
           </a:p>
           <a:p>
             <a:pPr lvl="4"/>
             <a:r>
-              <a:rPr lang="ko-KR" altLang="en-US" smtClean="0"/>
+              <a:rPr lang="ko-KR" altLang="en-US"/>
               <a:t>다섯째 수준</a:t>
             </a:r>
-            <a:endParaRPr lang="ko-KR" altLang="en-US"/>
           </a:p>
         </p:txBody>
       </p:sp>
@@ -1627,7 +1629,7 @@
           <a:p>
             <a:pPr lvl="0"/>
             <a:r>
-              <a:rPr lang="ko-KR" altLang="en-US" smtClean="0"/>
+              <a:rPr lang="ko-KR" altLang="en-US"/>
               <a:t>마스터 텍스트 스타일을 편집합니다</a:t>
             </a:r>
           </a:p>
@@ -1683,38 +1685,37 @@
           <a:p>
             <a:pPr lvl="0"/>
             <a:r>
-              <a:rPr lang="ko-KR" altLang="en-US" smtClean="0"/>
+              <a:rPr lang="ko-KR" altLang="en-US"/>
               <a:t>마스터 텍스트 스타일을 편집합니다</a:t>
             </a:r>
           </a:p>
           <a:p>
             <a:pPr lvl="1"/>
             <a:r>
-              <a:rPr lang="ko-KR" altLang="en-US" smtClean="0"/>
+              <a:rPr lang="ko-KR" altLang="en-US"/>
               <a:t>둘째 수준</a:t>
             </a:r>
           </a:p>
           <a:p>
             <a:pPr lvl="2"/>
             <a:r>
-              <a:rPr lang="ko-KR" altLang="en-US" smtClean="0"/>
+              <a:rPr lang="ko-KR" altLang="en-US"/>
               <a:t>셋째 수준</a:t>
             </a:r>
           </a:p>
           <a:p>
             <a:pPr lvl="3"/>
             <a:r>
-              <a:rPr lang="ko-KR" altLang="en-US" smtClean="0"/>
+              <a:rPr lang="ko-KR" altLang="en-US"/>
               <a:t>넷째 수준</a:t>
             </a:r>
           </a:p>
           <a:p>
             <a:pPr lvl="4"/>
             <a:r>
-              <a:rPr lang="ko-KR" altLang="en-US" smtClean="0"/>
+              <a:rPr lang="ko-KR" altLang="en-US"/>
               <a:t>다섯째 수준</a:t>
             </a:r>
-            <a:endParaRPr lang="ko-KR" altLang="en-US"/>
           </a:p>
         </p:txBody>
       </p:sp>
@@ -1735,7 +1736,7 @@
           <a:p>
             <a:fld id="{FB30EDBD-1C2D-4C1E-B459-B60219FAB484}" type="datetimeFigureOut">
               <a:rPr lang="ko-KR" altLang="en-US" smtClean="0"/>
-              <a:t>2020-11-09</a:t>
+              <a:t>2021-03-27</a:t>
             </a:fld>
             <a:endParaRPr lang="ko-KR" altLang="en-US"/>
           </a:p>
@@ -1824,10 +1825,9 @@
           <a:lstStyle/>
           <a:p>
             <a:r>
-              <a:rPr lang="ko-KR" altLang="en-US" smtClean="0"/>
+              <a:rPr lang="ko-KR" altLang="en-US"/>
               <a:t>마스터 제목 스타일 편집</a:t>
             </a:r>
-            <a:endParaRPr lang="ko-KR" altLang="en-US"/>
           </a:p>
         </p:txBody>
       </p:sp>
@@ -1848,7 +1848,7 @@
           <a:p>
             <a:fld id="{FB30EDBD-1C2D-4C1E-B459-B60219FAB484}" type="datetimeFigureOut">
               <a:rPr lang="ko-KR" altLang="en-US" smtClean="0"/>
-              <a:t>2020-11-09</a:t>
+              <a:t>2021-03-27</a:t>
             </a:fld>
             <a:endParaRPr lang="ko-KR" altLang="en-US"/>
           </a:p>
@@ -1938,7 +1938,7 @@
           <a:p>
             <a:fld id="{FB30EDBD-1C2D-4C1E-B459-B60219FAB484}" type="datetimeFigureOut">
               <a:rPr lang="ko-KR" altLang="en-US" smtClean="0"/>
-              <a:t>2020-11-09</a:t>
+              <a:t>2021-03-27</a:t>
             </a:fld>
             <a:endParaRPr lang="ko-KR" altLang="en-US"/>
           </a:p>
@@ -2036,10 +2036,9 @@
           </a:lstStyle>
           <a:p>
             <a:r>
-              <a:rPr lang="ko-KR" altLang="en-US" smtClean="0"/>
+              <a:rPr lang="ko-KR" altLang="en-US"/>
               <a:t>마스터 제목 스타일 편집</a:t>
             </a:r>
-            <a:endParaRPr lang="ko-KR" altLang="en-US"/>
           </a:p>
         </p:txBody>
       </p:sp>
@@ -2093,38 +2092,37 @@
           <a:p>
             <a:pPr lvl="0"/>
             <a:r>
-              <a:rPr lang="ko-KR" altLang="en-US" smtClean="0"/>
+              <a:rPr lang="ko-KR" altLang="en-US"/>
               <a:t>마스터 텍스트 스타일을 편집합니다</a:t>
             </a:r>
           </a:p>
           <a:p>
             <a:pPr lvl="1"/>
             <a:r>
-              <a:rPr lang="ko-KR" altLang="en-US" smtClean="0"/>
+              <a:rPr lang="ko-KR" altLang="en-US"/>
               <a:t>둘째 수준</a:t>
             </a:r>
           </a:p>
           <a:p>
             <a:pPr lvl="2"/>
             <a:r>
-              <a:rPr lang="ko-KR" altLang="en-US" smtClean="0"/>
+              <a:rPr lang="ko-KR" altLang="en-US"/>
               <a:t>셋째 수준</a:t>
             </a:r>
           </a:p>
           <a:p>
             <a:pPr lvl="3"/>
             <a:r>
-              <a:rPr lang="ko-KR" altLang="en-US" smtClean="0"/>
+              <a:rPr lang="ko-KR" altLang="en-US"/>
               <a:t>넷째 수준</a:t>
             </a:r>
           </a:p>
           <a:p>
             <a:pPr lvl="4"/>
             <a:r>
-              <a:rPr lang="ko-KR" altLang="en-US" smtClean="0"/>
+              <a:rPr lang="ko-KR" altLang="en-US"/>
               <a:t>다섯째 수준</a:t>
             </a:r>
-            <a:endParaRPr lang="ko-KR" altLang="en-US"/>
           </a:p>
         </p:txBody>
       </p:sp>
@@ -2187,7 +2185,7 @@
           <a:p>
             <a:pPr lvl="0"/>
             <a:r>
-              <a:rPr lang="ko-KR" altLang="en-US" smtClean="0"/>
+              <a:rPr lang="ko-KR" altLang="en-US"/>
               <a:t>마스터 텍스트 스타일을 편집합니다</a:t>
             </a:r>
           </a:p>
@@ -2210,7 +2208,7 @@
           <a:p>
             <a:fld id="{FB30EDBD-1C2D-4C1E-B459-B60219FAB484}" type="datetimeFigureOut">
               <a:rPr lang="ko-KR" altLang="en-US" smtClean="0"/>
-              <a:t>2020-11-09</a:t>
+              <a:t>2021-03-27</a:t>
             </a:fld>
             <a:endParaRPr lang="ko-KR" altLang="en-US"/>
           </a:p>
@@ -2308,10 +2306,9 @@
           </a:lstStyle>
           <a:p>
             <a:r>
-              <a:rPr lang="ko-KR" altLang="en-US" smtClean="0"/>
+              <a:rPr lang="ko-KR" altLang="en-US"/>
               <a:t>마스터 제목 스타일 편집</a:t>
             </a:r>
-            <a:endParaRPr lang="ko-KR" altLang="en-US"/>
           </a:p>
         </p:txBody>
       </p:sp>
@@ -2435,7 +2432,7 @@
           <a:p>
             <a:pPr lvl="0"/>
             <a:r>
-              <a:rPr lang="ko-KR" altLang="en-US" smtClean="0"/>
+              <a:rPr lang="ko-KR" altLang="en-US"/>
               <a:t>마스터 텍스트 스타일을 편집합니다</a:t>
             </a:r>
           </a:p>
@@ -2458,7 +2455,7 @@
           <a:p>
             <a:fld id="{FB30EDBD-1C2D-4C1E-B459-B60219FAB484}" type="datetimeFigureOut">
               <a:rPr lang="ko-KR" altLang="en-US" smtClean="0"/>
-              <a:t>2020-11-09</a:t>
+              <a:t>2021-03-27</a:t>
             </a:fld>
             <a:endParaRPr lang="ko-KR" altLang="en-US"/>
           </a:p>
@@ -2562,10 +2559,9 @@
           <a:lstStyle/>
           <a:p>
             <a:r>
-              <a:rPr lang="ko-KR" altLang="en-US" smtClean="0"/>
+              <a:rPr lang="ko-KR" altLang="en-US"/>
               <a:t>마스터 제목 스타일 편집</a:t>
             </a:r>
-            <a:endParaRPr lang="ko-KR" altLang="en-US"/>
           </a:p>
         </p:txBody>
       </p:sp>
@@ -2596,38 +2592,37 @@
           <a:p>
             <a:pPr lvl="0"/>
             <a:r>
-              <a:rPr lang="ko-KR" altLang="en-US" smtClean="0"/>
+              <a:rPr lang="ko-KR" altLang="en-US"/>
               <a:t>마스터 텍스트 스타일을 편집합니다</a:t>
             </a:r>
           </a:p>
           <a:p>
             <a:pPr lvl="1"/>
             <a:r>
-              <a:rPr lang="ko-KR" altLang="en-US" smtClean="0"/>
+              <a:rPr lang="ko-KR" altLang="en-US"/>
               <a:t>둘째 수준</a:t>
             </a:r>
           </a:p>
           <a:p>
             <a:pPr lvl="2"/>
             <a:r>
-              <a:rPr lang="ko-KR" altLang="en-US" smtClean="0"/>
+              <a:rPr lang="ko-KR" altLang="en-US"/>
               <a:t>셋째 수준</a:t>
             </a:r>
           </a:p>
           <a:p>
             <a:pPr lvl="3"/>
             <a:r>
-              <a:rPr lang="ko-KR" altLang="en-US" smtClean="0"/>
+              <a:rPr lang="ko-KR" altLang="en-US"/>
               <a:t>넷째 수준</a:t>
             </a:r>
           </a:p>
           <a:p>
             <a:pPr lvl="4"/>
             <a:r>
-              <a:rPr lang="ko-KR" altLang="en-US" smtClean="0"/>
+              <a:rPr lang="ko-KR" altLang="en-US"/>
               <a:t>다섯째 수준</a:t>
             </a:r>
-            <a:endParaRPr lang="ko-KR" altLang="en-US"/>
           </a:p>
         </p:txBody>
       </p:sp>
@@ -2666,7 +2661,7 @@
           <a:p>
             <a:fld id="{FB30EDBD-1C2D-4C1E-B459-B60219FAB484}" type="datetimeFigureOut">
               <a:rPr lang="ko-KR" altLang="en-US" smtClean="0"/>
-              <a:t>2020-11-09</a:t>
+              <a:t>2021-03-27</a:t>
             </a:fld>
             <a:endParaRPr lang="ko-KR" altLang="en-US"/>
           </a:p>
@@ -3132,66 +3127,32 @@
       </p:grpSpPr>
       <p:pic>
         <p:nvPicPr>
-          <p:cNvPr id="2050" name="Picture 2"/>
+          <p:cNvPr id="3" name="그림 2">
+            <a:extLst>
+              <a:ext uri="{FF2B5EF4-FFF2-40B4-BE49-F238E27FC236}">
+                <a16:creationId xmlns:a16="http://schemas.microsoft.com/office/drawing/2014/main" id="{88284353-D852-4AE8-B7F8-F53350900655}"/>
+              </a:ext>
+            </a:extLst>
+          </p:cNvPr>
           <p:cNvPicPr>
-            <a:picLocks noChangeAspect="1" noChangeArrowheads="1"/>
+            <a:picLocks noChangeAspect="1"/>
           </p:cNvPicPr>
           <p:nvPr/>
         </p:nvPicPr>
         <p:blipFill>
-          <a:blip r:embed="rId2">
-            <a:extLst>
-              <a:ext uri="{28A0092B-C50C-407E-A947-70E740481C1C}">
-                <a14:useLocalDpi xmlns:a14="http://schemas.microsoft.com/office/drawing/2010/main" val="0"/>
-              </a:ext>
-            </a:extLst>
-          </a:blip>
-          <a:srcRect/>
+          <a:blip r:embed="rId2"/>
           <a:stretch>
             <a:fillRect/>
           </a:stretch>
         </p:blipFill>
-        <p:spPr bwMode="auto">
+        <p:spPr>
           <a:xfrm>
-            <a:off x="1909763" y="1433513"/>
-            <a:ext cx="5324475" cy="3990975"/>
+            <a:off x="1907704" y="1300708"/>
+            <a:ext cx="5334000" cy="4000500"/>
           </a:xfrm>
           <a:prstGeom prst="rect">
             <a:avLst/>
           </a:prstGeom>
-          <a:noFill/>
-          <a:ln>
-            <a:noFill/>
-          </a:ln>
-          <a:effectLst/>
-          <a:extLst>
-            <a:ext uri="{909E8E84-426E-40DD-AFC4-6F175D3DCCD1}">
-              <a14:hiddenFill xmlns:a14="http://schemas.microsoft.com/office/drawing/2010/main">
-                <a:solidFill>
-                  <a:schemeClr val="accent1"/>
-                </a:solidFill>
-              </a14:hiddenFill>
-            </a:ext>
-            <a:ext uri="{91240B29-F687-4F45-9708-019B960494DF}">
-              <a14:hiddenLine xmlns:a14="http://schemas.microsoft.com/office/drawing/2010/main" w="9525">
-                <a:solidFill>
-                  <a:schemeClr val="tx1"/>
-                </a:solidFill>
-                <a:miter lim="800000"/>
-                <a:headEnd/>
-                <a:tailEnd/>
-              </a14:hiddenLine>
-            </a:ext>
-            <a:ext uri="{AF507438-7753-43E0-B8FC-AC1667EBCBE1}">
-              <a14:hiddenEffects xmlns:a14="http://schemas.microsoft.com/office/drawing/2010/main">
-                <a:effectLst>
-                  <a:outerShdw dist="35921" dir="2700000" algn="ctr" rotWithShape="0">
-                    <a:schemeClr val="bg2"/>
-                  </a:outerShdw>
-                </a:effectLst>
-              </a14:hiddenEffects>
-            </a:ext>
-          </a:extLst>
         </p:spPr>
       </p:pic>
       <p:sp>
@@ -3202,7 +3163,7 @@
         </p:nvSpPr>
         <p:spPr>
           <a:xfrm>
-            <a:off x="2645036" y="2276872"/>
+            <a:off x="2699792" y="2492896"/>
             <a:ext cx="712054" cy="369332"/>
           </a:xfrm>
           <a:prstGeom prst="rect">
@@ -3217,7 +3178,7 @@
           <a:lstStyle/>
           <a:p>
             <a:r>
-              <a:rPr lang="en-US" altLang="ko-KR" dirty="0" smtClean="0"/>
+              <a:rPr lang="en-US" altLang="ko-KR" dirty="0"/>
               <a:t>50Hz</a:t>
             </a:r>
             <a:endParaRPr lang="ko-KR" altLang="en-US" dirty="0"/>
@@ -3232,7 +3193,7 @@
         </p:nvSpPr>
         <p:spPr>
           <a:xfrm>
-            <a:off x="3635896" y="2204864"/>
+            <a:off x="3203848" y="1712136"/>
             <a:ext cx="838691" cy="369332"/>
           </a:xfrm>
           <a:prstGeom prst="rect">
@@ -3247,7 +3208,7 @@
           <a:lstStyle/>
           <a:p>
             <a:r>
-              <a:rPr lang="en-US" altLang="ko-KR" dirty="0" smtClean="0"/>
+              <a:rPr lang="en-US" altLang="ko-KR" dirty="0"/>
               <a:t>120Hz</a:t>
             </a:r>
             <a:endParaRPr lang="ko-KR" altLang="en-US" dirty="0"/>

--- a/pics/2020-11-08-linear_algebra_and_Fourier_transform/pics.pptx
+++ b/pics/2020-11-08-linear_algebra_and_Fourier_transform/pics.pptx
@@ -6,7 +6,8 @@
   </p:sldMasterIdLst>
   <p:sldIdLst>
     <p:sldId id="256" r:id="rId2"/>
-    <p:sldId id="257" r:id="rId3"/>
+    <p:sldId id="258" r:id="rId3"/>
+    <p:sldId id="257" r:id="rId4"/>
   </p:sldIdLst>
   <p:sldSz cx="9144000" cy="6858000" type="screen4x3"/>
   <p:notesSz cx="6858000" cy="9144000"/>
@@ -303,7 +304,7 @@
           <a:p>
             <a:fld id="{FB30EDBD-1C2D-4C1E-B459-B60219FAB484}" type="datetimeFigureOut">
               <a:rPr lang="ko-KR" altLang="en-US" smtClean="0"/>
-              <a:t>2021-03-27</a:t>
+              <a:t>2023-05-06</a:t>
             </a:fld>
             <a:endParaRPr lang="ko-KR" altLang="en-US"/>
           </a:p>
@@ -466,7 +467,7 @@
           <a:p>
             <a:fld id="{FB30EDBD-1C2D-4C1E-B459-B60219FAB484}" type="datetimeFigureOut">
               <a:rPr lang="ko-KR" altLang="en-US" smtClean="0"/>
-              <a:t>2021-03-27</a:t>
+              <a:t>2023-05-06</a:t>
             </a:fld>
             <a:endParaRPr lang="ko-KR" altLang="en-US"/>
           </a:p>
@@ -639,7 +640,7 @@
           <a:p>
             <a:fld id="{FB30EDBD-1C2D-4C1E-B459-B60219FAB484}" type="datetimeFigureOut">
               <a:rPr lang="ko-KR" altLang="en-US" smtClean="0"/>
-              <a:t>2021-03-27</a:t>
+              <a:t>2023-05-06</a:t>
             </a:fld>
             <a:endParaRPr lang="ko-KR" altLang="en-US"/>
           </a:p>
@@ -802,7 +803,7 @@
           <a:p>
             <a:fld id="{FB30EDBD-1C2D-4C1E-B459-B60219FAB484}" type="datetimeFigureOut">
               <a:rPr lang="ko-KR" altLang="en-US" smtClean="0"/>
-              <a:t>2021-03-27</a:t>
+              <a:t>2023-05-06</a:t>
             </a:fld>
             <a:endParaRPr lang="ko-KR" altLang="en-US"/>
           </a:p>
@@ -1042,7 +1043,7 @@
           <a:p>
             <a:fld id="{FB30EDBD-1C2D-4C1E-B459-B60219FAB484}" type="datetimeFigureOut">
               <a:rPr lang="ko-KR" altLang="en-US" smtClean="0"/>
-              <a:t>2021-03-27</a:t>
+              <a:t>2023-05-06</a:t>
             </a:fld>
             <a:endParaRPr lang="ko-KR" altLang="en-US"/>
           </a:p>
@@ -1322,7 +1323,7 @@
           <a:p>
             <a:fld id="{FB30EDBD-1C2D-4C1E-B459-B60219FAB484}" type="datetimeFigureOut">
               <a:rPr lang="ko-KR" altLang="en-US" smtClean="0"/>
-              <a:t>2021-03-27</a:t>
+              <a:t>2023-05-06</a:t>
             </a:fld>
             <a:endParaRPr lang="ko-KR" altLang="en-US"/>
           </a:p>
@@ -1736,7 +1737,7 @@
           <a:p>
             <a:fld id="{FB30EDBD-1C2D-4C1E-B459-B60219FAB484}" type="datetimeFigureOut">
               <a:rPr lang="ko-KR" altLang="en-US" smtClean="0"/>
-              <a:t>2021-03-27</a:t>
+              <a:t>2023-05-06</a:t>
             </a:fld>
             <a:endParaRPr lang="ko-KR" altLang="en-US"/>
           </a:p>
@@ -1848,7 +1849,7 @@
           <a:p>
             <a:fld id="{FB30EDBD-1C2D-4C1E-B459-B60219FAB484}" type="datetimeFigureOut">
               <a:rPr lang="ko-KR" altLang="en-US" smtClean="0"/>
-              <a:t>2021-03-27</a:t>
+              <a:t>2023-05-06</a:t>
             </a:fld>
             <a:endParaRPr lang="ko-KR" altLang="en-US"/>
           </a:p>
@@ -1938,7 +1939,7 @@
           <a:p>
             <a:fld id="{FB30EDBD-1C2D-4C1E-B459-B60219FAB484}" type="datetimeFigureOut">
               <a:rPr lang="ko-KR" altLang="en-US" smtClean="0"/>
-              <a:t>2021-03-27</a:t>
+              <a:t>2023-05-06</a:t>
             </a:fld>
             <a:endParaRPr lang="ko-KR" altLang="en-US"/>
           </a:p>
@@ -2208,7 +2209,7 @@
           <a:p>
             <a:fld id="{FB30EDBD-1C2D-4C1E-B459-B60219FAB484}" type="datetimeFigureOut">
               <a:rPr lang="ko-KR" altLang="en-US" smtClean="0"/>
-              <a:t>2021-03-27</a:t>
+              <a:t>2023-05-06</a:t>
             </a:fld>
             <a:endParaRPr lang="ko-KR" altLang="en-US"/>
           </a:p>
@@ -2455,7 +2456,7 @@
           <a:p>
             <a:fld id="{FB30EDBD-1C2D-4C1E-B459-B60219FAB484}" type="datetimeFigureOut">
               <a:rPr lang="ko-KR" altLang="en-US" smtClean="0"/>
-              <a:t>2021-03-27</a:t>
+              <a:t>2023-05-06</a:t>
             </a:fld>
             <a:endParaRPr lang="ko-KR" altLang="en-US"/>
           </a:p>
@@ -2661,7 +2662,7 @@
           <a:p>
             <a:fld id="{FB30EDBD-1C2D-4C1E-B459-B60219FAB484}" type="datetimeFigureOut">
               <a:rPr lang="ko-KR" altLang="en-US" smtClean="0"/>
-              <a:t>2021-03-27</a:t>
+              <a:t>2023-05-06</a:t>
             </a:fld>
             <a:endParaRPr lang="ko-KR" altLang="en-US"/>
           </a:p>
@@ -3127,6 +3128,274 @@
       </p:grpSpPr>
       <p:pic>
         <p:nvPicPr>
+          <p:cNvPr id="1026" name="Picture 2"/>
+          <p:cNvPicPr>
+            <a:picLocks noChangeAspect="1" noChangeArrowheads="1"/>
+          </p:cNvPicPr>
+          <p:nvPr/>
+        </p:nvPicPr>
+        <p:blipFill>
+          <a:blip r:embed="rId2">
+            <a:extLst>
+              <a:ext uri="{28A0092B-C50C-407E-A947-70E740481C1C}">
+                <a14:useLocalDpi xmlns:a14="http://schemas.microsoft.com/office/drawing/2010/main" val="0"/>
+              </a:ext>
+            </a:extLst>
+          </a:blip>
+          <a:srcRect/>
+          <a:stretch>
+            <a:fillRect/>
+          </a:stretch>
+        </p:blipFill>
+        <p:spPr bwMode="auto">
+          <a:xfrm>
+            <a:off x="1909763" y="1433513"/>
+            <a:ext cx="5324475" cy="3990975"/>
+          </a:xfrm>
+          <a:prstGeom prst="rect">
+            <a:avLst/>
+          </a:prstGeom>
+          <a:noFill/>
+          <a:ln>
+            <a:noFill/>
+          </a:ln>
+          <a:effectLst/>
+          <a:extLst>
+            <a:ext uri="{909E8E84-426E-40DD-AFC4-6F175D3DCCD1}">
+              <a14:hiddenFill xmlns:a14="http://schemas.microsoft.com/office/drawing/2010/main">
+                <a:solidFill>
+                  <a:schemeClr val="accent1"/>
+                </a:solidFill>
+              </a14:hiddenFill>
+            </a:ext>
+            <a:ext uri="{91240B29-F687-4F45-9708-019B960494DF}">
+              <a14:hiddenLine xmlns:a14="http://schemas.microsoft.com/office/drawing/2010/main" w="9525">
+                <a:solidFill>
+                  <a:schemeClr val="tx1"/>
+                </a:solidFill>
+                <a:miter lim="800000"/>
+                <a:headEnd/>
+                <a:tailEnd/>
+              </a14:hiddenLine>
+            </a:ext>
+            <a:ext uri="{AF507438-7753-43E0-B8FC-AC1667EBCBE1}">
+              <a14:hiddenEffects xmlns:a14="http://schemas.microsoft.com/office/drawing/2010/main">
+                <a:effectLst>
+                  <a:outerShdw dist="35921" dir="2700000" algn="ctr" rotWithShape="0">
+                    <a:schemeClr val="bg2"/>
+                  </a:outerShdw>
+                </a:effectLst>
+              </a14:hiddenEffects>
+            </a:ext>
+          </a:extLst>
+        </p:spPr>
+      </p:pic>
+      <p:sp>
+        <p:nvSpPr>
+          <p:cNvPr id="3" name="Rectangle 2">
+            <a:extLst>
+              <a:ext uri="{FF2B5EF4-FFF2-40B4-BE49-F238E27FC236}">
+                <a16:creationId xmlns:a16="http://schemas.microsoft.com/office/drawing/2014/main" id="{228D4833-C1EB-70FE-53CE-C971CBBFCDF8}"/>
+              </a:ext>
+            </a:extLst>
+          </p:cNvPr>
+          <p:cNvSpPr/>
+          <p:nvPr/>
+        </p:nvSpPr>
+        <p:spPr>
+          <a:xfrm>
+            <a:off x="3851920" y="1452562"/>
+            <a:ext cx="1728192" cy="267296"/>
+          </a:xfrm>
+          <a:prstGeom prst="rect">
+            <a:avLst/>
+          </a:prstGeom>
+          <a:solidFill>
+            <a:schemeClr val="bg1"/>
+          </a:solidFill>
+          <a:ln>
+            <a:noFill/>
+          </a:ln>
+        </p:spPr>
+        <p:style>
+          <a:lnRef idx="2">
+            <a:schemeClr val="accent1">
+              <a:shade val="50000"/>
+            </a:schemeClr>
+          </a:lnRef>
+          <a:fillRef idx="1">
+            <a:schemeClr val="accent1"/>
+          </a:fillRef>
+          <a:effectRef idx="0">
+            <a:schemeClr val="accent1"/>
+          </a:effectRef>
+          <a:fontRef idx="minor">
+            <a:schemeClr val="lt1"/>
+          </a:fontRef>
+        </p:style>
+        <p:txBody>
+          <a:bodyPr rtlCol="0" anchor="ctr"/>
+          <a:lstStyle/>
+          <a:p>
+            <a:pPr algn="ctr"/>
+            <a:endParaRPr lang="en-US"/>
+          </a:p>
+        </p:txBody>
+      </p:sp>
+      <p:sp>
+        <p:nvSpPr>
+          <p:cNvPr id="4" name="TextBox 3">
+            <a:extLst>
+              <a:ext uri="{FF2B5EF4-FFF2-40B4-BE49-F238E27FC236}">
+                <a16:creationId xmlns:a16="http://schemas.microsoft.com/office/drawing/2014/main" id="{272F67B0-5C94-2255-B744-BF54CA400E00}"/>
+              </a:ext>
+            </a:extLst>
+          </p:cNvPr>
+          <p:cNvSpPr txBox="1"/>
+          <p:nvPr/>
+        </p:nvSpPr>
+        <p:spPr>
+          <a:xfrm>
+            <a:off x="3637718" y="1480577"/>
+            <a:ext cx="2046266" cy="276999"/>
+          </a:xfrm>
+          <a:prstGeom prst="rect">
+            <a:avLst/>
+          </a:prstGeom>
+          <a:noFill/>
+        </p:spPr>
+        <p:txBody>
+          <a:bodyPr wrap="none" rtlCol="0">
+            <a:spAutoFit/>
+          </a:bodyPr>
+          <a:lstStyle/>
+          <a:p>
+            <a:r>
+              <a:rPr lang="en-US" sz="1200" dirty="0"/>
+              <a:t>Time signal of total length</a:t>
+            </a:r>
+          </a:p>
+        </p:txBody>
+      </p:sp>
+      <p:sp>
+        <p:nvSpPr>
+          <p:cNvPr id="5" name="Rectangle 4">
+            <a:extLst>
+              <a:ext uri="{FF2B5EF4-FFF2-40B4-BE49-F238E27FC236}">
+                <a16:creationId xmlns:a16="http://schemas.microsoft.com/office/drawing/2014/main" id="{55AED7E7-8D66-3EF7-5509-F1211D7E0AF6}"/>
+              </a:ext>
+            </a:extLst>
+          </p:cNvPr>
+          <p:cNvSpPr/>
+          <p:nvPr/>
+        </p:nvSpPr>
+        <p:spPr>
+          <a:xfrm flipV="1">
+            <a:off x="3613036" y="3429000"/>
+            <a:ext cx="2160240" cy="195288"/>
+          </a:xfrm>
+          <a:prstGeom prst="rect">
+            <a:avLst/>
+          </a:prstGeom>
+          <a:solidFill>
+            <a:schemeClr val="bg1"/>
+          </a:solidFill>
+          <a:ln>
+            <a:noFill/>
+          </a:ln>
+        </p:spPr>
+        <p:style>
+          <a:lnRef idx="2">
+            <a:schemeClr val="accent1">
+              <a:shade val="50000"/>
+            </a:schemeClr>
+          </a:lnRef>
+          <a:fillRef idx="1">
+            <a:schemeClr val="accent1"/>
+          </a:fillRef>
+          <a:effectRef idx="0">
+            <a:schemeClr val="accent1"/>
+          </a:effectRef>
+          <a:fontRef idx="minor">
+            <a:schemeClr val="lt1"/>
+          </a:fontRef>
+        </p:style>
+        <p:txBody>
+          <a:bodyPr rtlCol="0" anchor="ctr"/>
+          <a:lstStyle/>
+          <a:p>
+            <a:pPr algn="ctr"/>
+            <a:endParaRPr lang="en-US"/>
+          </a:p>
+        </p:txBody>
+      </p:sp>
+      <p:sp>
+        <p:nvSpPr>
+          <p:cNvPr id="6" name="TextBox 5">
+            <a:extLst>
+              <a:ext uri="{FF2B5EF4-FFF2-40B4-BE49-F238E27FC236}">
+                <a16:creationId xmlns:a16="http://schemas.microsoft.com/office/drawing/2014/main" id="{FDF15BD3-A99F-9C91-5787-0FFE31076EA6}"/>
+              </a:ext>
+            </a:extLst>
+          </p:cNvPr>
+          <p:cNvSpPr txBox="1"/>
+          <p:nvPr/>
+        </p:nvSpPr>
+        <p:spPr>
+          <a:xfrm>
+            <a:off x="3226708" y="3388144"/>
+            <a:ext cx="2868286" cy="276999"/>
+          </a:xfrm>
+          <a:prstGeom prst="rect">
+            <a:avLst/>
+          </a:prstGeom>
+          <a:noFill/>
+        </p:spPr>
+        <p:txBody>
+          <a:bodyPr wrap="none" rtlCol="0">
+            <a:spAutoFit/>
+          </a:bodyPr>
+          <a:lstStyle/>
+          <a:p>
+            <a:r>
+              <a:rPr lang="en-US" sz="1200" dirty="0"/>
+              <a:t>When a portion of signal is magnified</a:t>
+            </a:r>
+          </a:p>
+        </p:txBody>
+      </p:sp>
+    </p:spTree>
+    <p:extLst>
+      <p:ext uri="{BB962C8B-B14F-4D97-AF65-F5344CB8AC3E}">
+        <p14:creationId xmlns:p14="http://schemas.microsoft.com/office/powerpoint/2010/main" val="174027720"/>
+      </p:ext>
+    </p:extLst>
+  </p:cSld>
+  <p:clrMapOvr>
+    <a:masterClrMapping/>
+  </p:clrMapOvr>
+</p:sld>
+</file>
+
+<file path=ppt/slides/slide3.xml><?xml version="1.0" encoding="utf-8"?>
+<p:sld xmlns:a="http://schemas.openxmlformats.org/drawingml/2006/main" xmlns:r="http://schemas.openxmlformats.org/officeDocument/2006/relationships" xmlns:p="http://schemas.openxmlformats.org/presentationml/2006/main">
+  <p:cSld>
+    <p:spTree>
+      <p:nvGrpSpPr>
+        <p:cNvPr id="1" name=""/>
+        <p:cNvGrpSpPr/>
+        <p:nvPr/>
+      </p:nvGrpSpPr>
+      <p:grpSpPr>
+        <a:xfrm>
+          <a:off x="0" y="0"/>
+          <a:ext cx="0" cy="0"/>
+          <a:chOff x="0" y="0"/>
+          <a:chExt cx="0" cy="0"/>
+        </a:xfrm>
+      </p:grpSpPr>
+      <p:pic>
+        <p:nvPicPr>
           <p:cNvPr id="3" name="그림 2">
             <a:extLst>
               <a:ext uri="{FF2B5EF4-FFF2-40B4-BE49-F238E27FC236}">
